--- a/artefacts/presentation/Studyhelp.pptx
+++ b/artefacts/presentation/Studyhelp.pptx
@@ -10,7 +10,8 @@
     <p:sldId id="258" r:id="rId4"/>
     <p:sldId id="259" r:id="rId5"/>
     <p:sldId id="261" r:id="rId6"/>
-    <p:sldId id="260" r:id="rId7"/>
+    <p:sldId id="262" r:id="rId7"/>
+    <p:sldId id="260" r:id="rId8"/>
   </p:sldIdLst>
   <p:sldSz cx="12192000" cy="6858000"/>
   <p:notesSz cx="6858000" cy="9144000"/>
@@ -109,6 +110,11 @@
       </a:defRPr>
     </a:lvl9pPr>
   </p:defaultTextStyle>
+  <p:extLst>
+    <p:ext uri="{EFAFB233-063F-42B5-8137-9DF3F51BA10A}">
+      <p15:sldGuideLst xmlns:p15="http://schemas.microsoft.com/office/powerpoint/2012/main"/>
+    </p:ext>
+  </p:extLst>
 </p:presentation>
 </file>
 
@@ -6652,6 +6658,202 @@
           <a:p>
             <a:r>
               <a:rPr lang="de-AT" dirty="0" smtClean="0"/>
+              <a:t>Sicherheit</a:t>
+            </a:r>
+            <a:endParaRPr lang="de-AT" dirty="0"/>
+          </a:p>
+        </p:txBody>
+      </p:sp>
+      <p:sp>
+        <p:nvSpPr>
+          <p:cNvPr id="3" name="Inhaltsplatzhalter 2"/>
+          <p:cNvSpPr>
+            <a:spLocks noGrp="1"/>
+          </p:cNvSpPr>
+          <p:nvPr>
+            <p:ph idx="1"/>
+          </p:nvPr>
+        </p:nvSpPr>
+        <p:spPr/>
+        <p:txBody>
+          <a:bodyPr/>
+          <a:lstStyle/>
+          <a:p>
+            <a:r>
+              <a:rPr lang="de-AT" dirty="0" smtClean="0"/>
+              <a:t>Passwörter mithilfe vom Algorithmus md5 </a:t>
+            </a:r>
+            <a:r>
+              <a:rPr lang="de-AT" dirty="0" err="1" smtClean="0"/>
+              <a:t>gehasht</a:t>
+            </a:r>
+            <a:endParaRPr lang="de-AT" dirty="0" smtClean="0"/>
+          </a:p>
+          <a:p>
+            <a:r>
+              <a:rPr lang="de-AT" dirty="0" err="1" smtClean="0"/>
+              <a:t>Sql-Injections</a:t>
+            </a:r>
+            <a:r>
+              <a:rPr lang="de-AT" dirty="0" smtClean="0"/>
+              <a:t> werden mithilfe von </a:t>
+            </a:r>
+            <a:r>
+              <a:rPr lang="de-AT" dirty="0" err="1" smtClean="0"/>
+              <a:t>MySqliRealEscapeString</a:t>
+            </a:r>
+            <a:r>
+              <a:rPr lang="de-AT" dirty="0" smtClean="0"/>
+              <a:t> vorgebeugt</a:t>
+            </a:r>
+          </a:p>
+          <a:p>
+            <a:endParaRPr lang="de-AT" dirty="0" smtClean="0"/>
+          </a:p>
+          <a:p>
+            <a:r>
+              <a:rPr lang="de-AT" dirty="0" smtClean="0"/>
+              <a:t>Unbefugten Usern wird der Zugriff auf administrative Tätigkeiten verwehrt</a:t>
+            </a:r>
+          </a:p>
+          <a:p>
+            <a:r>
+              <a:rPr lang="de-AT" dirty="0" smtClean="0"/>
+              <a:t>Umleitung zu einer Error-Seite</a:t>
+            </a:r>
+          </a:p>
+        </p:txBody>
+      </p:sp>
+      <p:pic>
+        <p:nvPicPr>
+          <p:cNvPr id="4" name="Grafik 3"/>
+          <p:cNvPicPr>
+            <a:picLocks noChangeAspect="1"/>
+          </p:cNvPicPr>
+          <p:nvPr/>
+        </p:nvPicPr>
+        <p:blipFill rotWithShape="1">
+          <a:blip r:embed="rId2"/>
+          <a:srcRect l="-448" t="18011" r="448" b="-18011"/>
+          <a:stretch/>
+        </p:blipFill>
+        <p:spPr>
+          <a:xfrm>
+            <a:off x="1078035" y="2975830"/>
+            <a:ext cx="6972300" cy="390525"/>
+          </a:xfrm>
+          <a:prstGeom prst="rect">
+            <a:avLst/>
+          </a:prstGeom>
+        </p:spPr>
+      </p:pic>
+      <p:pic>
+        <p:nvPicPr>
+          <p:cNvPr id="5" name="Grafik 4"/>
+          <p:cNvPicPr>
+            <a:picLocks noChangeAspect="1"/>
+          </p:cNvPicPr>
+          <p:nvPr/>
+        </p:nvPicPr>
+        <p:blipFill rotWithShape="1">
+          <a:blip r:embed="rId3"/>
+          <a:srcRect t="26161"/>
+          <a:stretch/>
+        </p:blipFill>
+        <p:spPr>
+          <a:xfrm>
+            <a:off x="6317883" y="2232577"/>
+            <a:ext cx="3667125" cy="260227"/>
+          </a:xfrm>
+          <a:prstGeom prst="rect">
+            <a:avLst/>
+          </a:prstGeom>
+        </p:spPr>
+      </p:pic>
+      <p:pic>
+        <p:nvPicPr>
+          <p:cNvPr id="6" name="Grafik 5"/>
+          <p:cNvPicPr>
+            <a:picLocks noChangeAspect="1"/>
+          </p:cNvPicPr>
+          <p:nvPr/>
+        </p:nvPicPr>
+        <p:blipFill rotWithShape="1">
+          <a:blip r:embed="rId4"/>
+          <a:srcRect l="-1" t="40" r="113"/>
+          <a:stretch/>
+        </p:blipFill>
+        <p:spPr>
+          <a:xfrm>
+            <a:off x="4646150" y="3947733"/>
+            <a:ext cx="4354438" cy="1825745"/>
+          </a:xfrm>
+          <a:prstGeom prst="rect">
+            <a:avLst/>
+          </a:prstGeom>
+          <a:ln w="38100" cap="sq">
+            <a:solidFill>
+              <a:srgbClr val="000000"/>
+            </a:solidFill>
+            <a:prstDash val="solid"/>
+            <a:miter lim="800000"/>
+          </a:ln>
+          <a:effectLst>
+            <a:outerShdw blurRad="50800" dist="38100" dir="2700000" algn="tl" rotWithShape="0">
+              <a:srgbClr val="000000">
+                <a:alpha val="43000"/>
+              </a:srgbClr>
+            </a:outerShdw>
+          </a:effectLst>
+        </p:spPr>
+      </p:pic>
+    </p:spTree>
+    <p:extLst>
+      <p:ext uri="{BB962C8B-B14F-4D97-AF65-F5344CB8AC3E}">
+        <p14:creationId xmlns:p14="http://schemas.microsoft.com/office/powerpoint/2010/main" val="2548067113"/>
+      </p:ext>
+    </p:extLst>
+  </p:cSld>
+  <p:clrMapOvr>
+    <a:masterClrMapping/>
+  </p:clrMapOvr>
+</p:sld>
+</file>
+
+<file path=ppt/slides/slide7.xml><?xml version="1.0" encoding="utf-8"?>
+<p:sld xmlns:a="http://schemas.openxmlformats.org/drawingml/2006/main" xmlns:r="http://schemas.openxmlformats.org/officeDocument/2006/relationships" xmlns:p="http://schemas.openxmlformats.org/presentationml/2006/main">
+  <p:cSld>
+    <p:spTree>
+      <p:nvGrpSpPr>
+        <p:cNvPr id="1" name=""/>
+        <p:cNvGrpSpPr/>
+        <p:nvPr/>
+      </p:nvGrpSpPr>
+      <p:grpSpPr>
+        <a:xfrm>
+          <a:off x="0" y="0"/>
+          <a:ext cx="0" cy="0"/>
+          <a:chOff x="0" y="0"/>
+          <a:chExt cx="0" cy="0"/>
+        </a:xfrm>
+      </p:grpSpPr>
+      <p:sp>
+        <p:nvSpPr>
+          <p:cNvPr id="2" name="Titel 1"/>
+          <p:cNvSpPr>
+            <a:spLocks noGrp="1"/>
+          </p:cNvSpPr>
+          <p:nvPr>
+            <p:ph type="title"/>
+          </p:nvPr>
+        </p:nvSpPr>
+        <p:spPr/>
+        <p:txBody>
+          <a:bodyPr/>
+          <a:lstStyle/>
+          <a:p>
+            <a:r>
+              <a:rPr lang="de-AT" dirty="0" smtClean="0"/>
               <a:t>Jetziger Status</a:t>
             </a:r>
             <a:endParaRPr lang="de-AT" dirty="0"/>

--- a/artefacts/presentation/Studyhelp.pptx
+++ b/artefacts/presentation/Studyhelp.pptx
@@ -10,8 +10,8 @@
     <p:sldId id="258" r:id="rId4"/>
     <p:sldId id="259" r:id="rId5"/>
     <p:sldId id="261" r:id="rId6"/>
-    <p:sldId id="262" r:id="rId7"/>
-    <p:sldId id="260" r:id="rId8"/>
+    <p:sldId id="260" r:id="rId7"/>
+    <p:sldId id="262" r:id="rId8"/>
   </p:sldIdLst>
   <p:sldSz cx="12192000" cy="6858000"/>
   <p:notesSz cx="6858000" cy="9144000"/>
@@ -6328,7 +6328,7 @@
           <a:p>
             <a:r>
               <a:rPr lang="de-AT" dirty="0" smtClean="0"/>
-              <a:t>Implementation</a:t>
+              <a:t>Implementierung</a:t>
             </a:r>
             <a:endParaRPr lang="de-AT" dirty="0"/>
           </a:p>
@@ -6600,6 +6600,13 @@
               <a:rPr lang="de-AT" dirty="0" err="1" smtClean="0"/>
               <a:t>jQuery</a:t>
             </a:r>
+            <a:endParaRPr lang="de-AT" dirty="0" smtClean="0"/>
+          </a:p>
+          <a:p>
+            <a:r>
+              <a:rPr lang="de-AT" dirty="0" err="1" smtClean="0"/>
+              <a:t>Azure-DevOps</a:t>
+            </a:r>
             <a:endParaRPr lang="de-AT" dirty="0"/>
           </a:p>
         </p:txBody>
@@ -6625,6 +6632,214 @@
 </file>
 
 <file path=ppt/slides/slide6.xml><?xml version="1.0" encoding="utf-8"?>
+<p:sld xmlns:a="http://schemas.openxmlformats.org/drawingml/2006/main" xmlns:r="http://schemas.openxmlformats.org/officeDocument/2006/relationships" xmlns:p="http://schemas.openxmlformats.org/presentationml/2006/main">
+  <p:cSld>
+    <p:spTree>
+      <p:nvGrpSpPr>
+        <p:cNvPr id="1" name=""/>
+        <p:cNvGrpSpPr/>
+        <p:nvPr/>
+      </p:nvGrpSpPr>
+      <p:grpSpPr>
+        <a:xfrm>
+          <a:off x="0" y="0"/>
+          <a:ext cx="0" cy="0"/>
+          <a:chOff x="0" y="0"/>
+          <a:chExt cx="0" cy="0"/>
+        </a:xfrm>
+      </p:grpSpPr>
+      <p:sp>
+        <p:nvSpPr>
+          <p:cNvPr id="2" name="Titel 1"/>
+          <p:cNvSpPr>
+            <a:spLocks noGrp="1"/>
+          </p:cNvSpPr>
+          <p:nvPr>
+            <p:ph type="title"/>
+          </p:nvPr>
+        </p:nvSpPr>
+        <p:spPr/>
+        <p:txBody>
+          <a:bodyPr/>
+          <a:lstStyle/>
+          <a:p>
+            <a:r>
+              <a:rPr lang="de-AT" dirty="0" smtClean="0"/>
+              <a:t>Jetziger </a:t>
+            </a:r>
+            <a:r>
+              <a:rPr lang="de-AT" dirty="0" smtClean="0"/>
+              <a:t>Stand</a:t>
+            </a:r>
+            <a:endParaRPr lang="de-AT" dirty="0"/>
+          </a:p>
+        </p:txBody>
+      </p:sp>
+      <p:sp>
+        <p:nvSpPr>
+          <p:cNvPr id="3" name="Inhaltsplatzhalter 2"/>
+          <p:cNvSpPr>
+            <a:spLocks noGrp="1"/>
+          </p:cNvSpPr>
+          <p:nvPr>
+            <p:ph idx="1"/>
+          </p:nvPr>
+        </p:nvSpPr>
+        <p:spPr/>
+        <p:txBody>
+          <a:bodyPr/>
+          <a:lstStyle/>
+          <a:p>
+            <a:r>
+              <a:rPr lang="de-AT" dirty="0" smtClean="0"/>
+              <a:t>Ein Vokabelspiel erstellt</a:t>
+            </a:r>
+          </a:p>
+          <a:p>
+            <a:r>
+              <a:rPr lang="de-AT" dirty="0" err="1" smtClean="0"/>
+              <a:t>Loginsystem</a:t>
+            </a:r>
+            <a:endParaRPr lang="de-AT" dirty="0" smtClean="0"/>
+          </a:p>
+          <a:p>
+            <a:r>
+              <a:rPr lang="de-AT" dirty="0" err="1" smtClean="0"/>
+              <a:t>Freundesystem</a:t>
+            </a:r>
+            <a:endParaRPr lang="de-AT" dirty="0" smtClean="0"/>
+          </a:p>
+        </p:txBody>
+      </p:sp>
+      <p:pic>
+        <p:nvPicPr>
+          <p:cNvPr id="3074" name="Picture 2" descr="https://cdn.discordapp.com/attachments/948251236237455431/989828429601984532/unknown.png"/>
+          <p:cNvPicPr>
+            <a:picLocks noChangeAspect="1" noChangeArrowheads="1"/>
+          </p:cNvPicPr>
+          <p:nvPr/>
+        </p:nvPicPr>
+        <p:blipFill>
+          <a:blip r:embed="rId2" cstate="print">
+            <a:extLst>
+              <a:ext uri="{28A0092B-C50C-407E-A947-70E740481C1C}">
+                <a14:useLocalDpi xmlns:a14="http://schemas.microsoft.com/office/drawing/2010/main" val="0"/>
+              </a:ext>
+            </a:extLst>
+          </a:blip>
+          <a:srcRect/>
+          <a:stretch>
+            <a:fillRect/>
+          </a:stretch>
+        </p:blipFill>
+        <p:spPr bwMode="auto">
+          <a:xfrm>
+            <a:off x="5513503" y="1930400"/>
+            <a:ext cx="3396765" cy="1389673"/>
+          </a:xfrm>
+          <a:prstGeom prst="rect">
+            <a:avLst/>
+          </a:prstGeom>
+          <a:ln w="38100" cap="sq">
+            <a:solidFill>
+              <a:srgbClr val="000000"/>
+            </a:solidFill>
+            <a:prstDash val="solid"/>
+            <a:miter lim="800000"/>
+          </a:ln>
+          <a:effectLst>
+            <a:outerShdw blurRad="50800" dist="38100" dir="2700000" algn="tl" rotWithShape="0">
+              <a:srgbClr val="000000">
+                <a:alpha val="43000"/>
+              </a:srgbClr>
+            </a:outerShdw>
+          </a:effectLst>
+          <a:extLst>
+            <a:ext uri="{909E8E84-426E-40DD-AFC4-6F175D3DCCD1}">
+              <a14:hiddenFill xmlns:a14="http://schemas.microsoft.com/office/drawing/2010/main">
+                <a:solidFill>
+                  <a:srgbClr val="FFFFFF"/>
+                </a:solidFill>
+              </a14:hiddenFill>
+            </a:ext>
+          </a:extLst>
+        </p:spPr>
+      </p:pic>
+      <p:pic>
+        <p:nvPicPr>
+          <p:cNvPr id="3076" name="Picture 4" descr="https://cdn.discordapp.com/attachments/948251236237455431/989833934277840936/unknown.png"/>
+          <p:cNvPicPr>
+            <a:picLocks noChangeAspect="1" noChangeArrowheads="1"/>
+          </p:cNvPicPr>
+          <p:nvPr/>
+        </p:nvPicPr>
+        <p:blipFill>
+          <a:blip r:embed="rId3" cstate="print">
+            <a:extLst>
+              <a:ext uri="{28A0092B-C50C-407E-A947-70E740481C1C}">
+                <a14:useLocalDpi xmlns:a14="http://schemas.microsoft.com/office/drawing/2010/main" val="0"/>
+              </a:ext>
+            </a:extLst>
+          </a:blip>
+          <a:srcRect/>
+          <a:stretch>
+            <a:fillRect/>
+          </a:stretch>
+        </p:blipFill>
+        <p:spPr bwMode="auto">
+          <a:xfrm>
+            <a:off x="5499424" y="3550262"/>
+            <a:ext cx="3424921" cy="1555260"/>
+          </a:xfrm>
+          <a:prstGeom prst="rect">
+            <a:avLst/>
+          </a:prstGeom>
+          <a:ln w="38100" cap="sq">
+            <a:solidFill>
+              <a:srgbClr val="000000"/>
+            </a:solidFill>
+            <a:prstDash val="solid"/>
+            <a:miter lim="800000"/>
+          </a:ln>
+          <a:effectLst>
+            <a:outerShdw blurRad="50800" dist="38100" dir="2700000" algn="tl" rotWithShape="0">
+              <a:srgbClr val="000000">
+                <a:alpha val="43000"/>
+              </a:srgbClr>
+            </a:outerShdw>
+          </a:effectLst>
+          <a:extLst>
+            <a:ext uri="{909E8E84-426E-40DD-AFC4-6F175D3DCCD1}">
+              <a14:hiddenFill xmlns:a14="http://schemas.microsoft.com/office/drawing/2010/main">
+                <a:solidFill>
+                  <a:srgbClr val="FFFFFF"/>
+                </a:solidFill>
+              </a14:hiddenFill>
+            </a:ext>
+          </a:extLst>
+        </p:spPr>
+      </p:pic>
+    </p:spTree>
+    <p:extLst>
+      <p:ext uri="{BB962C8B-B14F-4D97-AF65-F5344CB8AC3E}">
+        <p14:creationId xmlns:p14="http://schemas.microsoft.com/office/powerpoint/2010/main" val="2885989415"/>
+      </p:ext>
+    </p:extLst>
+  </p:cSld>
+  <p:clrMapOvr>
+    <a:masterClrMapping/>
+  </p:clrMapOvr>
+  <p:timing>
+    <p:tnLst>
+      <p:par>
+        <p:cTn id="1" dur="indefinite" restart="never" nodeType="tmRoot"/>
+      </p:par>
+    </p:tnLst>
+  </p:timing>
+</p:sld>
+</file>
+
+<file path=ppt/slides/slide7.xml><?xml version="1.0" encoding="utf-8"?>
 <p:sld xmlns:a="http://schemas.openxmlformats.org/drawingml/2006/main" xmlns:r="http://schemas.openxmlformats.org/officeDocument/2006/relationships" xmlns:p="http://schemas.openxmlformats.org/presentationml/2006/main">
   <p:cSld>
     <p:spTree>
@@ -6817,210 +7032,6 @@
   <p:clrMapOvr>
     <a:masterClrMapping/>
   </p:clrMapOvr>
-</p:sld>
-</file>
-
-<file path=ppt/slides/slide7.xml><?xml version="1.0" encoding="utf-8"?>
-<p:sld xmlns:a="http://schemas.openxmlformats.org/drawingml/2006/main" xmlns:r="http://schemas.openxmlformats.org/officeDocument/2006/relationships" xmlns:p="http://schemas.openxmlformats.org/presentationml/2006/main">
-  <p:cSld>
-    <p:spTree>
-      <p:nvGrpSpPr>
-        <p:cNvPr id="1" name=""/>
-        <p:cNvGrpSpPr/>
-        <p:nvPr/>
-      </p:nvGrpSpPr>
-      <p:grpSpPr>
-        <a:xfrm>
-          <a:off x="0" y="0"/>
-          <a:ext cx="0" cy="0"/>
-          <a:chOff x="0" y="0"/>
-          <a:chExt cx="0" cy="0"/>
-        </a:xfrm>
-      </p:grpSpPr>
-      <p:sp>
-        <p:nvSpPr>
-          <p:cNvPr id="2" name="Titel 1"/>
-          <p:cNvSpPr>
-            <a:spLocks noGrp="1"/>
-          </p:cNvSpPr>
-          <p:nvPr>
-            <p:ph type="title"/>
-          </p:nvPr>
-        </p:nvSpPr>
-        <p:spPr/>
-        <p:txBody>
-          <a:bodyPr/>
-          <a:lstStyle/>
-          <a:p>
-            <a:r>
-              <a:rPr lang="de-AT" dirty="0" smtClean="0"/>
-              <a:t>Jetziger Status</a:t>
-            </a:r>
-            <a:endParaRPr lang="de-AT" dirty="0"/>
-          </a:p>
-        </p:txBody>
-      </p:sp>
-      <p:sp>
-        <p:nvSpPr>
-          <p:cNvPr id="3" name="Inhaltsplatzhalter 2"/>
-          <p:cNvSpPr>
-            <a:spLocks noGrp="1"/>
-          </p:cNvSpPr>
-          <p:nvPr>
-            <p:ph idx="1"/>
-          </p:nvPr>
-        </p:nvSpPr>
-        <p:spPr/>
-        <p:txBody>
-          <a:bodyPr/>
-          <a:lstStyle/>
-          <a:p>
-            <a:r>
-              <a:rPr lang="de-AT" dirty="0" smtClean="0"/>
-              <a:t>Ein Vokabelspiel erstellt</a:t>
-            </a:r>
-          </a:p>
-          <a:p>
-            <a:r>
-              <a:rPr lang="de-AT" dirty="0" err="1" smtClean="0"/>
-              <a:t>Loginsystem</a:t>
-            </a:r>
-            <a:endParaRPr lang="de-AT" dirty="0" smtClean="0"/>
-          </a:p>
-          <a:p>
-            <a:r>
-              <a:rPr lang="de-AT" dirty="0" err="1" smtClean="0"/>
-              <a:t>Freundesystem</a:t>
-            </a:r>
-            <a:endParaRPr lang="de-AT" dirty="0" smtClean="0"/>
-          </a:p>
-        </p:txBody>
-      </p:sp>
-      <p:pic>
-        <p:nvPicPr>
-          <p:cNvPr id="3074" name="Picture 2" descr="https://cdn.discordapp.com/attachments/948251236237455431/989828429601984532/unknown.png"/>
-          <p:cNvPicPr>
-            <a:picLocks noChangeAspect="1" noChangeArrowheads="1"/>
-          </p:cNvPicPr>
-          <p:nvPr/>
-        </p:nvPicPr>
-        <p:blipFill>
-          <a:blip r:embed="rId2" cstate="print">
-            <a:extLst>
-              <a:ext uri="{28A0092B-C50C-407E-A947-70E740481C1C}">
-                <a14:useLocalDpi xmlns:a14="http://schemas.microsoft.com/office/drawing/2010/main" val="0"/>
-              </a:ext>
-            </a:extLst>
-          </a:blip>
-          <a:srcRect/>
-          <a:stretch>
-            <a:fillRect/>
-          </a:stretch>
-        </p:blipFill>
-        <p:spPr bwMode="auto">
-          <a:xfrm>
-            <a:off x="5513503" y="1930400"/>
-            <a:ext cx="3396765" cy="1389673"/>
-          </a:xfrm>
-          <a:prstGeom prst="rect">
-            <a:avLst/>
-          </a:prstGeom>
-          <a:ln w="38100" cap="sq">
-            <a:solidFill>
-              <a:srgbClr val="000000"/>
-            </a:solidFill>
-            <a:prstDash val="solid"/>
-            <a:miter lim="800000"/>
-          </a:ln>
-          <a:effectLst>
-            <a:outerShdw blurRad="50800" dist="38100" dir="2700000" algn="tl" rotWithShape="0">
-              <a:srgbClr val="000000">
-                <a:alpha val="43000"/>
-              </a:srgbClr>
-            </a:outerShdw>
-          </a:effectLst>
-          <a:extLst>
-            <a:ext uri="{909E8E84-426E-40DD-AFC4-6F175D3DCCD1}">
-              <a14:hiddenFill xmlns:a14="http://schemas.microsoft.com/office/drawing/2010/main">
-                <a:solidFill>
-                  <a:srgbClr val="FFFFFF"/>
-                </a:solidFill>
-              </a14:hiddenFill>
-            </a:ext>
-          </a:extLst>
-        </p:spPr>
-      </p:pic>
-      <p:pic>
-        <p:nvPicPr>
-          <p:cNvPr id="3076" name="Picture 4" descr="https://cdn.discordapp.com/attachments/948251236237455431/989833934277840936/unknown.png"/>
-          <p:cNvPicPr>
-            <a:picLocks noChangeAspect="1" noChangeArrowheads="1"/>
-          </p:cNvPicPr>
-          <p:nvPr/>
-        </p:nvPicPr>
-        <p:blipFill>
-          <a:blip r:embed="rId3" cstate="print">
-            <a:extLst>
-              <a:ext uri="{28A0092B-C50C-407E-A947-70E740481C1C}">
-                <a14:useLocalDpi xmlns:a14="http://schemas.microsoft.com/office/drawing/2010/main" val="0"/>
-              </a:ext>
-            </a:extLst>
-          </a:blip>
-          <a:srcRect/>
-          <a:stretch>
-            <a:fillRect/>
-          </a:stretch>
-        </p:blipFill>
-        <p:spPr bwMode="auto">
-          <a:xfrm>
-            <a:off x="5499424" y="3550262"/>
-            <a:ext cx="3424921" cy="1555260"/>
-          </a:xfrm>
-          <a:prstGeom prst="rect">
-            <a:avLst/>
-          </a:prstGeom>
-          <a:ln w="38100" cap="sq">
-            <a:solidFill>
-              <a:srgbClr val="000000"/>
-            </a:solidFill>
-            <a:prstDash val="solid"/>
-            <a:miter lim="800000"/>
-          </a:ln>
-          <a:effectLst>
-            <a:outerShdw blurRad="50800" dist="38100" dir="2700000" algn="tl" rotWithShape="0">
-              <a:srgbClr val="000000">
-                <a:alpha val="43000"/>
-              </a:srgbClr>
-            </a:outerShdw>
-          </a:effectLst>
-          <a:extLst>
-            <a:ext uri="{909E8E84-426E-40DD-AFC4-6F175D3DCCD1}">
-              <a14:hiddenFill xmlns:a14="http://schemas.microsoft.com/office/drawing/2010/main">
-                <a:solidFill>
-                  <a:srgbClr val="FFFFFF"/>
-                </a:solidFill>
-              </a14:hiddenFill>
-            </a:ext>
-          </a:extLst>
-        </p:spPr>
-      </p:pic>
-    </p:spTree>
-    <p:extLst>
-      <p:ext uri="{BB962C8B-B14F-4D97-AF65-F5344CB8AC3E}">
-        <p14:creationId xmlns:p14="http://schemas.microsoft.com/office/powerpoint/2010/main" val="2885989415"/>
-      </p:ext>
-    </p:extLst>
-  </p:cSld>
-  <p:clrMapOvr>
-    <a:masterClrMapping/>
-  </p:clrMapOvr>
-  <p:timing>
-    <p:tnLst>
-      <p:par>
-        <p:cTn id="1" dur="indefinite" restart="never" nodeType="tmRoot"/>
-      </p:par>
-    </p:tnLst>
-  </p:timing>
 </p:sld>
 </file>
 
